--- a/Dissertacao/Dance_expandido.pptx
+++ b/Dissertacao/Dance_expandido.pptx
@@ -288,7 +288,7 @@
           <a:p>
             <a:fld id="{3B7BC4DE-6C78-4952-9C12-003790272310}" type="datetimeFigureOut">
               <a:rPr lang="pt-BR" smtClean="0"/>
-              <a:t>01/09/2013</a:t>
+              <a:t>02/09/2013</a:t>
             </a:fld>
             <a:endParaRPr lang="pt-BR"/>
           </a:p>
@@ -458,7 +458,7 @@
           <a:p>
             <a:fld id="{3B7BC4DE-6C78-4952-9C12-003790272310}" type="datetimeFigureOut">
               <a:rPr lang="pt-BR" smtClean="0"/>
-              <a:t>01/09/2013</a:t>
+              <a:t>02/09/2013</a:t>
             </a:fld>
             <a:endParaRPr lang="pt-BR"/>
           </a:p>
@@ -638,7 +638,7 @@
           <a:p>
             <a:fld id="{3B7BC4DE-6C78-4952-9C12-003790272310}" type="datetimeFigureOut">
               <a:rPr lang="pt-BR" smtClean="0"/>
-              <a:t>01/09/2013</a:t>
+              <a:t>02/09/2013</a:t>
             </a:fld>
             <a:endParaRPr lang="pt-BR"/>
           </a:p>
@@ -808,7 +808,7 @@
           <a:p>
             <a:fld id="{3B7BC4DE-6C78-4952-9C12-003790272310}" type="datetimeFigureOut">
               <a:rPr lang="pt-BR" smtClean="0"/>
-              <a:t>01/09/2013</a:t>
+              <a:t>02/09/2013</a:t>
             </a:fld>
             <a:endParaRPr lang="pt-BR"/>
           </a:p>
@@ -1054,7 +1054,7 @@
           <a:p>
             <a:fld id="{3B7BC4DE-6C78-4952-9C12-003790272310}" type="datetimeFigureOut">
               <a:rPr lang="pt-BR" smtClean="0"/>
-              <a:t>01/09/2013</a:t>
+              <a:t>02/09/2013</a:t>
             </a:fld>
             <a:endParaRPr lang="pt-BR"/>
           </a:p>
@@ -1342,7 +1342,7 @@
           <a:p>
             <a:fld id="{3B7BC4DE-6C78-4952-9C12-003790272310}" type="datetimeFigureOut">
               <a:rPr lang="pt-BR" smtClean="0"/>
-              <a:t>01/09/2013</a:t>
+              <a:t>02/09/2013</a:t>
             </a:fld>
             <a:endParaRPr lang="pt-BR"/>
           </a:p>
@@ -1764,7 +1764,7 @@
           <a:p>
             <a:fld id="{3B7BC4DE-6C78-4952-9C12-003790272310}" type="datetimeFigureOut">
               <a:rPr lang="pt-BR" smtClean="0"/>
-              <a:t>01/09/2013</a:t>
+              <a:t>02/09/2013</a:t>
             </a:fld>
             <a:endParaRPr lang="pt-BR"/>
           </a:p>
@@ -1882,7 +1882,7 @@
           <a:p>
             <a:fld id="{3B7BC4DE-6C78-4952-9C12-003790272310}" type="datetimeFigureOut">
               <a:rPr lang="pt-BR" smtClean="0"/>
-              <a:t>01/09/2013</a:t>
+              <a:t>02/09/2013</a:t>
             </a:fld>
             <a:endParaRPr lang="pt-BR"/>
           </a:p>
@@ -1977,7 +1977,7 @@
           <a:p>
             <a:fld id="{3B7BC4DE-6C78-4952-9C12-003790272310}" type="datetimeFigureOut">
               <a:rPr lang="pt-BR" smtClean="0"/>
-              <a:t>01/09/2013</a:t>
+              <a:t>02/09/2013</a:t>
             </a:fld>
             <a:endParaRPr lang="pt-BR"/>
           </a:p>
@@ -2254,7 +2254,7 @@
           <a:p>
             <a:fld id="{3B7BC4DE-6C78-4952-9C12-003790272310}" type="datetimeFigureOut">
               <a:rPr lang="pt-BR" smtClean="0"/>
-              <a:t>01/09/2013</a:t>
+              <a:t>02/09/2013</a:t>
             </a:fld>
             <a:endParaRPr lang="pt-BR"/>
           </a:p>
@@ -2507,7 +2507,7 @@
           <a:p>
             <a:fld id="{3B7BC4DE-6C78-4952-9C12-003790272310}" type="datetimeFigureOut">
               <a:rPr lang="pt-BR" smtClean="0"/>
-              <a:t>01/09/2013</a:t>
+              <a:t>02/09/2013</a:t>
             </a:fld>
             <a:endParaRPr lang="pt-BR"/>
           </a:p>
@@ -2720,7 +2720,7 @@
           <a:p>
             <a:fld id="{3B7BC4DE-6C78-4952-9C12-003790272310}" type="datetimeFigureOut">
               <a:rPr lang="pt-BR" smtClean="0"/>
-              <a:t>01/09/2013</a:t>
+              <a:t>02/09/2013</a:t>
             </a:fld>
             <a:endParaRPr lang="pt-BR"/>
           </a:p>
@@ -3201,6 +3201,250 @@
           </a:p>
         </p:txBody>
       </p:sp>
+      <p:sp>
+        <p:nvSpPr>
+          <p:cNvPr id="13" name="Retângulo 12"/>
+          <p:cNvSpPr/>
+          <p:nvPr/>
+        </p:nvSpPr>
+        <p:spPr>
+          <a:xfrm rot="16200000">
+            <a:off x="5150620" y="3444566"/>
+            <a:ext cx="2493463" cy="914400"/>
+          </a:xfrm>
+          <a:prstGeom prst="rect">
+            <a:avLst/>
+          </a:prstGeom>
+        </p:spPr>
+        <p:style>
+          <a:lnRef idx="2">
+            <a:schemeClr val="accent1">
+              <a:shade val="50000"/>
+            </a:schemeClr>
+          </a:lnRef>
+          <a:fillRef idx="1">
+            <a:schemeClr val="accent1"/>
+          </a:fillRef>
+          <a:effectRef idx="0">
+            <a:schemeClr val="accent1"/>
+          </a:effectRef>
+          <a:fontRef idx="minor">
+            <a:schemeClr val="lt1"/>
+          </a:fontRef>
+        </p:style>
+        <p:txBody>
+          <a:bodyPr rtlCol="0" anchor="ctr"/>
+          <a:lstStyle/>
+          <a:p>
+            <a:pPr algn="ctr"/>
+            <a:r>
+              <a:rPr lang="pt-BR" dirty="0" smtClean="0"/>
+              <a:t>Organização</a:t>
+            </a:r>
+          </a:p>
+          <a:p>
+            <a:pPr algn="ctr"/>
+            <a:r>
+              <a:rPr lang="pt-BR" dirty="0" smtClean="0"/>
+              <a:t>Publica B</a:t>
+            </a:r>
+            <a:endParaRPr lang="pt-BR" dirty="0"/>
+          </a:p>
+        </p:txBody>
+      </p:sp>
+      <p:sp>
+        <p:nvSpPr>
+          <p:cNvPr id="11" name="CaixaDeTexto 10"/>
+          <p:cNvSpPr txBox="1"/>
+          <p:nvPr/>
+        </p:nvSpPr>
+        <p:spPr>
+          <a:xfrm>
+            <a:off x="7236296" y="2132856"/>
+            <a:ext cx="1595052" cy="369332"/>
+          </a:xfrm>
+          <a:prstGeom prst="rect">
+            <a:avLst/>
+          </a:prstGeom>
+          <a:noFill/>
+        </p:spPr>
+        <p:txBody>
+          <a:bodyPr wrap="none" rtlCol="0">
+            <a:spAutoFit/>
+          </a:bodyPr>
+          <a:lstStyle/>
+          <a:p>
+            <a:r>
+              <a:rPr lang="pt-BR" dirty="0" smtClean="0">
+                <a:solidFill>
+                  <a:schemeClr val="bg1"/>
+                </a:solidFill>
+              </a:rPr>
+              <a:t>Espaço Formal</a:t>
+            </a:r>
+          </a:p>
+        </p:txBody>
+      </p:sp>
+      <p:sp>
+        <p:nvSpPr>
+          <p:cNvPr id="17" name="CaixaDeTexto 16"/>
+          <p:cNvSpPr txBox="1"/>
+          <p:nvPr/>
+        </p:nvSpPr>
+        <p:spPr>
+          <a:xfrm>
+            <a:off x="7209134" y="2492896"/>
+            <a:ext cx="1683346" cy="369332"/>
+          </a:xfrm>
+          <a:prstGeom prst="rect">
+            <a:avLst/>
+          </a:prstGeom>
+          <a:noFill/>
+        </p:spPr>
+        <p:txBody>
+          <a:bodyPr wrap="none" rtlCol="0">
+            <a:spAutoFit/>
+          </a:bodyPr>
+          <a:lstStyle/>
+          <a:p>
+            <a:r>
+              <a:rPr lang="pt-BR" dirty="0" smtClean="0">
+                <a:solidFill>
+                  <a:schemeClr val="bg1"/>
+                </a:solidFill>
+              </a:rPr>
+              <a:t>Espaço Informal</a:t>
+            </a:r>
+          </a:p>
+        </p:txBody>
+      </p:sp>
+      <p:sp>
+        <p:nvSpPr>
+          <p:cNvPr id="19" name="Retângulo 18"/>
+          <p:cNvSpPr/>
+          <p:nvPr/>
+        </p:nvSpPr>
+        <p:spPr>
+          <a:xfrm rot="16200000">
+            <a:off x="-84260" y="3426444"/>
+            <a:ext cx="2493463" cy="914400"/>
+          </a:xfrm>
+          <a:prstGeom prst="rect">
+            <a:avLst/>
+          </a:prstGeom>
+        </p:spPr>
+        <p:style>
+          <a:lnRef idx="2">
+            <a:schemeClr val="accent1">
+              <a:shade val="50000"/>
+            </a:schemeClr>
+          </a:lnRef>
+          <a:fillRef idx="1">
+            <a:schemeClr val="accent1"/>
+          </a:fillRef>
+          <a:effectRef idx="0">
+            <a:schemeClr val="accent1"/>
+          </a:effectRef>
+          <a:fontRef idx="minor">
+            <a:schemeClr val="lt1"/>
+          </a:fontRef>
+        </p:style>
+        <p:txBody>
+          <a:bodyPr rtlCol="0" anchor="ctr"/>
+          <a:lstStyle/>
+          <a:p>
+            <a:pPr algn="ctr"/>
+            <a:r>
+              <a:rPr lang="pt-BR" dirty="0" smtClean="0"/>
+              <a:t>Organização</a:t>
+            </a:r>
+          </a:p>
+          <a:p>
+            <a:pPr algn="ctr"/>
+            <a:r>
+              <a:rPr lang="pt-BR" dirty="0" smtClean="0"/>
+              <a:t>Publica A</a:t>
+            </a:r>
+            <a:endParaRPr lang="pt-BR" dirty="0"/>
+          </a:p>
+        </p:txBody>
+      </p:sp>
+      <p:sp>
+        <p:nvSpPr>
+          <p:cNvPr id="2" name="Triângulo isósceles 1"/>
+          <p:cNvSpPr/>
+          <p:nvPr/>
+        </p:nvSpPr>
+        <p:spPr>
+          <a:xfrm rot="10800000">
+            <a:off x="1619671" y="2492896"/>
+            <a:ext cx="4320480" cy="2808312"/>
+          </a:xfrm>
+          <a:prstGeom prst="triangle">
+            <a:avLst/>
+          </a:prstGeom>
+          <a:noFill/>
+        </p:spPr>
+        <p:style>
+          <a:lnRef idx="2">
+            <a:schemeClr val="accent1">
+              <a:shade val="50000"/>
+            </a:schemeClr>
+          </a:lnRef>
+          <a:fillRef idx="1">
+            <a:schemeClr val="accent1"/>
+          </a:fillRef>
+          <a:effectRef idx="0">
+            <a:schemeClr val="accent1"/>
+          </a:effectRef>
+          <a:fontRef idx="minor">
+            <a:schemeClr val="lt1"/>
+          </a:fontRef>
+        </p:style>
+        <p:txBody>
+          <a:bodyPr rtlCol="0" anchor="ctr"/>
+          <a:lstStyle/>
+          <a:p>
+            <a:pPr algn="ctr"/>
+            <a:endParaRPr lang="pt-BR"/>
+          </a:p>
+        </p:txBody>
+      </p:sp>
+      <p:cxnSp>
+        <p:nvCxnSpPr>
+          <p:cNvPr id="20" name="Conector reto 19"/>
+          <p:cNvCxnSpPr/>
+          <p:nvPr/>
+        </p:nvCxnSpPr>
+        <p:spPr>
+          <a:xfrm>
+            <a:off x="-18256" y="2492896"/>
+            <a:ext cx="9162255" cy="32077"/>
+          </a:xfrm>
+          <a:prstGeom prst="line">
+            <a:avLst/>
+          </a:prstGeom>
+          <a:ln>
+            <a:solidFill>
+              <a:schemeClr val="tx2"/>
+            </a:solidFill>
+          </a:ln>
+        </p:spPr>
+        <p:style>
+          <a:lnRef idx="1">
+            <a:schemeClr val="accent1"/>
+          </a:lnRef>
+          <a:fillRef idx="0">
+            <a:schemeClr val="accent1"/>
+          </a:fillRef>
+          <a:effectRef idx="0">
+            <a:schemeClr val="accent1"/>
+          </a:effectRef>
+          <a:fontRef idx="minor">
+            <a:schemeClr val="tx1"/>
+          </a:fontRef>
+        </p:style>
+      </p:cxnSp>
       <p:pic>
         <p:nvPicPr>
           <p:cNvPr id="1029" name="Picture 5"/>
@@ -3285,18 +3529,19 @@
       </p:cxnSp>
       <p:sp>
         <p:nvSpPr>
-          <p:cNvPr id="13" name="Retângulo 12"/>
+          <p:cNvPr id="3" name="Triângulo isósceles 2"/>
           <p:cNvSpPr/>
           <p:nvPr/>
         </p:nvSpPr>
         <p:spPr>
-          <a:xfrm rot="16200000">
-            <a:off x="5150620" y="3444566"/>
-            <a:ext cx="2493463" cy="914400"/>
+          <a:xfrm>
+            <a:off x="1620115" y="1524715"/>
+            <a:ext cx="4320036" cy="968181"/>
           </a:xfrm>
-          <a:prstGeom prst="rect">
+          <a:prstGeom prst="triangle">
             <a:avLst/>
           </a:prstGeom>
+          <a:noFill/>
         </p:spPr>
         <p:style>
           <a:lnRef idx="2">
@@ -3319,135 +3564,7 @@
           <a:lstStyle/>
           <a:p>
             <a:pPr algn="ctr"/>
-            <a:r>
-              <a:rPr lang="pt-BR" dirty="0" smtClean="0"/>
-              <a:t>Organização</a:t>
-            </a:r>
-          </a:p>
-          <a:p>
-            <a:pPr algn="ctr"/>
-            <a:r>
-              <a:rPr lang="pt-BR" dirty="0" smtClean="0"/>
-              <a:t>Publica B</a:t>
-            </a:r>
-            <a:endParaRPr lang="pt-BR" dirty="0"/>
-          </a:p>
-        </p:txBody>
-      </p:sp>
-      <p:sp>
-        <p:nvSpPr>
-          <p:cNvPr id="11" name="CaixaDeTexto 10"/>
-          <p:cNvSpPr txBox="1"/>
-          <p:nvPr/>
-        </p:nvSpPr>
-        <p:spPr>
-          <a:xfrm>
-            <a:off x="7236296" y="2132856"/>
-            <a:ext cx="1595052" cy="369332"/>
-          </a:xfrm>
-          <a:prstGeom prst="rect">
-            <a:avLst/>
-          </a:prstGeom>
-          <a:noFill/>
-        </p:spPr>
-        <p:txBody>
-          <a:bodyPr wrap="none" rtlCol="0">
-            <a:spAutoFit/>
-          </a:bodyPr>
-          <a:lstStyle/>
-          <a:p>
-            <a:r>
-              <a:rPr lang="pt-BR" dirty="0" smtClean="0">
-                <a:solidFill>
-                  <a:schemeClr val="bg1"/>
-                </a:solidFill>
-              </a:rPr>
-              <a:t>Espaço Formal</a:t>
-            </a:r>
-          </a:p>
-        </p:txBody>
-      </p:sp>
-      <p:sp>
-        <p:nvSpPr>
-          <p:cNvPr id="17" name="CaixaDeTexto 16"/>
-          <p:cNvSpPr txBox="1"/>
-          <p:nvPr/>
-        </p:nvSpPr>
-        <p:spPr>
-          <a:xfrm>
-            <a:off x="7209134" y="2492896"/>
-            <a:ext cx="1683346" cy="369332"/>
-          </a:xfrm>
-          <a:prstGeom prst="rect">
-            <a:avLst/>
-          </a:prstGeom>
-          <a:noFill/>
-        </p:spPr>
-        <p:txBody>
-          <a:bodyPr wrap="none" rtlCol="0">
-            <a:spAutoFit/>
-          </a:bodyPr>
-          <a:lstStyle/>
-          <a:p>
-            <a:r>
-              <a:rPr lang="pt-BR" dirty="0" smtClean="0">
-                <a:solidFill>
-                  <a:schemeClr val="bg1"/>
-                </a:solidFill>
-              </a:rPr>
-              <a:t>Espaço Informal</a:t>
-            </a:r>
-          </a:p>
-        </p:txBody>
-      </p:sp>
-      <p:sp>
-        <p:nvSpPr>
-          <p:cNvPr id="19" name="Retângulo 18"/>
-          <p:cNvSpPr/>
-          <p:nvPr/>
-        </p:nvSpPr>
-        <p:spPr>
-          <a:xfrm rot="16200000">
-            <a:off x="-84260" y="3426444"/>
-            <a:ext cx="2493463" cy="914400"/>
-          </a:xfrm>
-          <a:prstGeom prst="rect">
-            <a:avLst/>
-          </a:prstGeom>
-        </p:spPr>
-        <p:style>
-          <a:lnRef idx="2">
-            <a:schemeClr val="accent1">
-              <a:shade val="50000"/>
-            </a:schemeClr>
-          </a:lnRef>
-          <a:fillRef idx="1">
-            <a:schemeClr val="accent1"/>
-          </a:fillRef>
-          <a:effectRef idx="0">
-            <a:schemeClr val="accent1"/>
-          </a:effectRef>
-          <a:fontRef idx="minor">
-            <a:schemeClr val="lt1"/>
-          </a:fontRef>
-        </p:style>
-        <p:txBody>
-          <a:bodyPr rtlCol="0" anchor="ctr"/>
-          <a:lstStyle/>
-          <a:p>
-            <a:pPr algn="ctr"/>
-            <a:r>
-              <a:rPr lang="pt-BR" dirty="0" smtClean="0"/>
-              <a:t>Organização</a:t>
-            </a:r>
-          </a:p>
-          <a:p>
-            <a:pPr algn="ctr"/>
-            <a:r>
-              <a:rPr lang="pt-BR" dirty="0" smtClean="0"/>
-              <a:t>Publica A</a:t>
-            </a:r>
-            <a:endParaRPr lang="pt-BR" dirty="0"/>
+            <a:endParaRPr lang="pt-BR"/>
           </a:p>
         </p:txBody>
       </p:sp>
@@ -3495,41 +3612,50 @@
           </a:p>
         </p:txBody>
       </p:sp>
-      <p:cxnSp>
-        <p:nvCxnSpPr>
-          <p:cNvPr id="20" name="Conector reto 19"/>
-          <p:cNvCxnSpPr/>
+      <p:sp>
+        <p:nvSpPr>
+          <p:cNvPr id="4" name="Retângulo 3"/>
+          <p:cNvSpPr/>
           <p:nvPr/>
-        </p:nvCxnSpPr>
+        </p:nvSpPr>
         <p:spPr>
           <a:xfrm>
-            <a:off x="-18256" y="2492896"/>
-            <a:ext cx="9162255" cy="32077"/>
+            <a:off x="5385791" y="2329524"/>
+            <a:ext cx="914401" cy="457200"/>
           </a:xfrm>
-          <a:prstGeom prst="line">
+          <a:prstGeom prst="rect">
             <a:avLst/>
           </a:prstGeom>
-          <a:ln>
-            <a:solidFill>
-              <a:schemeClr val="tx2"/>
-            </a:solidFill>
-          </a:ln>
         </p:spPr>
         <p:style>
-          <a:lnRef idx="1">
-            <a:schemeClr val="accent1"/>
+          <a:lnRef idx="2">
+            <a:schemeClr val="accent1">
+              <a:shade val="50000"/>
+            </a:schemeClr>
           </a:lnRef>
-          <a:fillRef idx="0">
+          <a:fillRef idx="1">
             <a:schemeClr val="accent1"/>
           </a:fillRef>
           <a:effectRef idx="0">
             <a:schemeClr val="accent1"/>
           </a:effectRef>
           <a:fontRef idx="minor">
-            <a:schemeClr val="tx1"/>
+            <a:schemeClr val="lt1"/>
           </a:fontRef>
         </p:style>
-      </p:cxnSp>
+        <p:txBody>
+          <a:bodyPr rtlCol="0" anchor="ctr"/>
+          <a:lstStyle/>
+          <a:p>
+            <a:pPr algn="ctr"/>
+            <a:r>
+              <a:rPr lang="pt-BR" sz="1100" dirty="0" err="1" smtClean="0"/>
+              <a:t>GateKeeper</a:t>
+            </a:r>
+            <a:endParaRPr lang="pt-BR" sz="1100" dirty="0"/>
+          </a:p>
+        </p:txBody>
+      </p:sp>
     </p:spTree>
     <p:extLst>
       <p:ext uri="{BB962C8B-B14F-4D97-AF65-F5344CB8AC3E}">

--- a/Dissertacao/Dance_expandido.pptx
+++ b/Dissertacao/Dance_expandido.pptx
@@ -288,7 +288,7 @@
           <a:p>
             <a:fld id="{3B7BC4DE-6C78-4952-9C12-003790272310}" type="datetimeFigureOut">
               <a:rPr lang="pt-BR" smtClean="0"/>
-              <a:t>02/09/2013</a:t>
+              <a:t>06/10/2013</a:t>
             </a:fld>
             <a:endParaRPr lang="pt-BR"/>
           </a:p>
@@ -458,7 +458,7 @@
           <a:p>
             <a:fld id="{3B7BC4DE-6C78-4952-9C12-003790272310}" type="datetimeFigureOut">
               <a:rPr lang="pt-BR" smtClean="0"/>
-              <a:t>02/09/2013</a:t>
+              <a:t>06/10/2013</a:t>
             </a:fld>
             <a:endParaRPr lang="pt-BR"/>
           </a:p>
@@ -638,7 +638,7 @@
           <a:p>
             <a:fld id="{3B7BC4DE-6C78-4952-9C12-003790272310}" type="datetimeFigureOut">
               <a:rPr lang="pt-BR" smtClean="0"/>
-              <a:t>02/09/2013</a:t>
+              <a:t>06/10/2013</a:t>
             </a:fld>
             <a:endParaRPr lang="pt-BR"/>
           </a:p>
@@ -808,7 +808,7 @@
           <a:p>
             <a:fld id="{3B7BC4DE-6C78-4952-9C12-003790272310}" type="datetimeFigureOut">
               <a:rPr lang="pt-BR" smtClean="0"/>
-              <a:t>02/09/2013</a:t>
+              <a:t>06/10/2013</a:t>
             </a:fld>
             <a:endParaRPr lang="pt-BR"/>
           </a:p>
@@ -1054,7 +1054,7 @@
           <a:p>
             <a:fld id="{3B7BC4DE-6C78-4952-9C12-003790272310}" type="datetimeFigureOut">
               <a:rPr lang="pt-BR" smtClean="0"/>
-              <a:t>02/09/2013</a:t>
+              <a:t>06/10/2013</a:t>
             </a:fld>
             <a:endParaRPr lang="pt-BR"/>
           </a:p>
@@ -1342,7 +1342,7 @@
           <a:p>
             <a:fld id="{3B7BC4DE-6C78-4952-9C12-003790272310}" type="datetimeFigureOut">
               <a:rPr lang="pt-BR" smtClean="0"/>
-              <a:t>02/09/2013</a:t>
+              <a:t>06/10/2013</a:t>
             </a:fld>
             <a:endParaRPr lang="pt-BR"/>
           </a:p>
@@ -1764,7 +1764,7 @@
           <a:p>
             <a:fld id="{3B7BC4DE-6C78-4952-9C12-003790272310}" type="datetimeFigureOut">
               <a:rPr lang="pt-BR" smtClean="0"/>
-              <a:t>02/09/2013</a:t>
+              <a:t>06/10/2013</a:t>
             </a:fld>
             <a:endParaRPr lang="pt-BR"/>
           </a:p>
@@ -1882,7 +1882,7 @@
           <a:p>
             <a:fld id="{3B7BC4DE-6C78-4952-9C12-003790272310}" type="datetimeFigureOut">
               <a:rPr lang="pt-BR" smtClean="0"/>
-              <a:t>02/09/2013</a:t>
+              <a:t>06/10/2013</a:t>
             </a:fld>
             <a:endParaRPr lang="pt-BR"/>
           </a:p>
@@ -1977,7 +1977,7 @@
           <a:p>
             <a:fld id="{3B7BC4DE-6C78-4952-9C12-003790272310}" type="datetimeFigureOut">
               <a:rPr lang="pt-BR" smtClean="0"/>
-              <a:t>02/09/2013</a:t>
+              <a:t>06/10/2013</a:t>
             </a:fld>
             <a:endParaRPr lang="pt-BR"/>
           </a:p>
@@ -2254,7 +2254,7 @@
           <a:p>
             <a:fld id="{3B7BC4DE-6C78-4952-9C12-003790272310}" type="datetimeFigureOut">
               <a:rPr lang="pt-BR" smtClean="0"/>
-              <a:t>02/09/2013</a:t>
+              <a:t>06/10/2013</a:t>
             </a:fld>
             <a:endParaRPr lang="pt-BR"/>
           </a:p>
@@ -2507,7 +2507,7 @@
           <a:p>
             <a:fld id="{3B7BC4DE-6C78-4952-9C12-003790272310}" type="datetimeFigureOut">
               <a:rPr lang="pt-BR" smtClean="0"/>
-              <a:t>02/09/2013</a:t>
+              <a:t>06/10/2013</a:t>
             </a:fld>
             <a:endParaRPr lang="pt-BR"/>
           </a:p>
@@ -2720,7 +2720,7 @@
           <a:p>
             <a:fld id="{3B7BC4DE-6C78-4952-9C12-003790272310}" type="datetimeFigureOut">
               <a:rPr lang="pt-BR" smtClean="0"/>
-              <a:t>02/09/2013</a:t>
+              <a:t>06/10/2013</a:t>
             </a:fld>
             <a:endParaRPr lang="pt-BR"/>
           </a:p>
@@ -3620,8 +3620,8 @@
         </p:nvSpPr>
         <p:spPr>
           <a:xfrm>
-            <a:off x="5385791" y="2329524"/>
-            <a:ext cx="914401" cy="457200"/>
+            <a:off x="5076056" y="2360882"/>
+            <a:ext cx="1202434" cy="348038"/>
           </a:xfrm>
           <a:prstGeom prst="rect">
             <a:avLst/>
@@ -3649,8 +3649,8 @@
           <a:p>
             <a:pPr algn="ctr"/>
             <a:r>
-              <a:rPr lang="pt-BR" sz="1100" dirty="0" err="1" smtClean="0"/>
-              <a:t>GateKeeper</a:t>
+              <a:rPr lang="pt-BR" sz="1100" dirty="0" smtClean="0"/>
+              <a:t>Representante</a:t>
             </a:r>
             <a:endParaRPr lang="pt-BR" sz="1100" dirty="0"/>
           </a:p>
